--- a/relazione/Schemi a stati finiti/SRJF/Schema a stati finiti SRJF.pptx
+++ b/relazione/Schemi a stati finiti/SRJF/Schema a stati finiti SRJF.pptx
@@ -104,6 +104,11 @@
       </a:defRPr>
     </a:lvl9pPr>
   </p:defaultTextStyle>
+  <p:extLst>
+    <p:ext uri="{EFAFB233-063F-42B5-8137-9DF3F51BA10A}">
+      <p15:sldGuideLst xmlns:p15="http://schemas.microsoft.com/office/powerpoint/2012/main"/>
+    </p:ext>
+  </p:extLst>
 </p:presentation>
 </file>
 
@@ -254,7 +259,7 @@
           <a:p>
             <a:fld id="{B0A083DB-E9E4-4842-B247-D232262E7D23}" type="datetimeFigureOut">
               <a:rPr lang="it-IT" smtClean="0"/>
-              <a:t>20/11/2020</a:t>
+              <a:t>02/12/2020</a:t>
             </a:fld>
             <a:endParaRPr lang="it-IT"/>
           </a:p>
@@ -452,7 +457,7 @@
           <a:p>
             <a:fld id="{B0A083DB-E9E4-4842-B247-D232262E7D23}" type="datetimeFigureOut">
               <a:rPr lang="it-IT" smtClean="0"/>
-              <a:t>20/11/2020</a:t>
+              <a:t>02/12/2020</a:t>
             </a:fld>
             <a:endParaRPr lang="it-IT"/>
           </a:p>
@@ -660,7 +665,7 @@
           <a:p>
             <a:fld id="{B0A083DB-E9E4-4842-B247-D232262E7D23}" type="datetimeFigureOut">
               <a:rPr lang="it-IT" smtClean="0"/>
-              <a:t>20/11/2020</a:t>
+              <a:t>02/12/2020</a:t>
             </a:fld>
             <a:endParaRPr lang="it-IT"/>
           </a:p>
@@ -858,7 +863,7 @@
           <a:p>
             <a:fld id="{B0A083DB-E9E4-4842-B247-D232262E7D23}" type="datetimeFigureOut">
               <a:rPr lang="it-IT" smtClean="0"/>
-              <a:t>20/11/2020</a:t>
+              <a:t>02/12/2020</a:t>
             </a:fld>
             <a:endParaRPr lang="it-IT"/>
           </a:p>
@@ -1133,7 +1138,7 @@
           <a:p>
             <a:fld id="{B0A083DB-E9E4-4842-B247-D232262E7D23}" type="datetimeFigureOut">
               <a:rPr lang="it-IT" smtClean="0"/>
-              <a:t>20/11/2020</a:t>
+              <a:t>02/12/2020</a:t>
             </a:fld>
             <a:endParaRPr lang="it-IT"/>
           </a:p>
@@ -1398,7 +1403,7 @@
           <a:p>
             <a:fld id="{B0A083DB-E9E4-4842-B247-D232262E7D23}" type="datetimeFigureOut">
               <a:rPr lang="it-IT" smtClean="0"/>
-              <a:t>20/11/2020</a:t>
+              <a:t>02/12/2020</a:t>
             </a:fld>
             <a:endParaRPr lang="it-IT"/>
           </a:p>
@@ -1810,7 +1815,7 @@
           <a:p>
             <a:fld id="{B0A083DB-E9E4-4842-B247-D232262E7D23}" type="datetimeFigureOut">
               <a:rPr lang="it-IT" smtClean="0"/>
-              <a:t>20/11/2020</a:t>
+              <a:t>02/12/2020</a:t>
             </a:fld>
             <a:endParaRPr lang="it-IT"/>
           </a:p>
@@ -1951,7 +1956,7 @@
           <a:p>
             <a:fld id="{B0A083DB-E9E4-4842-B247-D232262E7D23}" type="datetimeFigureOut">
               <a:rPr lang="it-IT" smtClean="0"/>
-              <a:t>20/11/2020</a:t>
+              <a:t>02/12/2020</a:t>
             </a:fld>
             <a:endParaRPr lang="it-IT"/>
           </a:p>
@@ -2064,7 +2069,7 @@
           <a:p>
             <a:fld id="{B0A083DB-E9E4-4842-B247-D232262E7D23}" type="datetimeFigureOut">
               <a:rPr lang="it-IT" smtClean="0"/>
-              <a:t>20/11/2020</a:t>
+              <a:t>02/12/2020</a:t>
             </a:fld>
             <a:endParaRPr lang="it-IT"/>
           </a:p>
@@ -2375,7 +2380,7 @@
           <a:p>
             <a:fld id="{B0A083DB-E9E4-4842-B247-D232262E7D23}" type="datetimeFigureOut">
               <a:rPr lang="it-IT" smtClean="0"/>
-              <a:t>20/11/2020</a:t>
+              <a:t>02/12/2020</a:t>
             </a:fld>
             <a:endParaRPr lang="it-IT"/>
           </a:p>
@@ -2663,7 +2668,7 @@
           <a:p>
             <a:fld id="{B0A083DB-E9E4-4842-B247-D232262E7D23}" type="datetimeFigureOut">
               <a:rPr lang="it-IT" smtClean="0"/>
-              <a:t>20/11/2020</a:t>
+              <a:t>02/12/2020</a:t>
             </a:fld>
             <a:endParaRPr lang="it-IT"/>
           </a:p>
@@ -2904,7 +2909,7 @@
           <a:p>
             <a:fld id="{B0A083DB-E9E4-4842-B247-D232262E7D23}" type="datetimeFigureOut">
               <a:rPr lang="it-IT" smtClean="0"/>
-              <a:t>20/11/2020</a:t>
+              <a:t>02/12/2020</a:t>
             </a:fld>
             <a:endParaRPr lang="it-IT"/>
           </a:p>
@@ -4199,8 +4204,8 @@
         </p:nvSpPr>
         <p:spPr>
           <a:xfrm>
-            <a:off x="382772" y="2434579"/>
-            <a:ext cx="1520455" cy="276999"/>
+            <a:off x="235690" y="2520207"/>
+            <a:ext cx="1783782" cy="307777"/>
           </a:xfrm>
           <a:prstGeom prst="rect">
             <a:avLst/>
@@ -4214,11 +4219,11 @@
           <a:lstStyle/>
           <a:p>
             <a:r>
-              <a:rPr lang="it-IT" sz="1200" dirty="0" err="1"/>
+              <a:rPr lang="it-IT" sz="1400" b="1" dirty="0" err="1"/>
               <a:t>time_arrive</a:t>
             </a:r>
             <a:r>
-              <a:rPr lang="it-IT" sz="1200" dirty="0"/>
+              <a:rPr lang="it-IT" sz="1400" b="1" dirty="0"/>
               <a:t> == timing</a:t>
             </a:r>
           </a:p>
@@ -4238,8 +4243,8 @@
         </p:nvSpPr>
         <p:spPr>
           <a:xfrm>
-            <a:off x="2761978" y="1649345"/>
-            <a:ext cx="1658679" cy="738664"/>
+            <a:off x="2690037" y="1608306"/>
+            <a:ext cx="2043938" cy="800219"/>
           </a:xfrm>
           <a:prstGeom prst="rect">
             <a:avLst/>
@@ -4253,7 +4258,7 @@
           <a:lstStyle/>
           <a:p>
             <a:r>
-              <a:rPr lang="it-IT" sz="1200" dirty="0"/>
+              <a:rPr lang="it-IT" sz="1400" b="1" dirty="0"/>
               <a:t>duration &gt; 0  &amp;&amp; time_arriving == timing</a:t>
             </a:r>
           </a:p>
@@ -4277,7 +4282,7 @@
         <p:spPr>
           <a:xfrm>
             <a:off x="6974958" y="1362093"/>
-            <a:ext cx="1024270" cy="553998"/>
+            <a:ext cx="1254642" cy="584775"/>
           </a:xfrm>
           <a:prstGeom prst="rect">
             <a:avLst/>
@@ -4291,7 +4296,7 @@
           <a:lstStyle/>
           <a:p>
             <a:r>
-              <a:rPr lang="it-IT" sz="1200" dirty="0"/>
+              <a:rPr lang="it-IT" sz="1400" b="1" dirty="0"/>
               <a:t>duration == 0</a:t>
             </a:r>
           </a:p>
@@ -4314,8 +4319,8 @@
         </p:nvSpPr>
         <p:spPr>
           <a:xfrm>
-            <a:off x="5384347" y="4271821"/>
-            <a:ext cx="2328530" cy="276999"/>
+            <a:off x="5147930" y="4166176"/>
+            <a:ext cx="2328530" cy="307777"/>
           </a:xfrm>
           <a:prstGeom prst="rect">
             <a:avLst/>
@@ -4329,11 +4334,11 @@
           <a:lstStyle/>
           <a:p>
             <a:r>
-              <a:rPr lang="it-IT" sz="1200" dirty="0" err="1"/>
+              <a:rPr lang="it-IT" sz="1400" b="1" dirty="0" err="1"/>
               <a:t>job_is_minimun</a:t>
             </a:r>
             <a:r>
-              <a:rPr lang="it-IT" sz="1200" dirty="0"/>
+              <a:rPr lang="it-IT" sz="1400" b="1" dirty="0"/>
               <a:t>(num_core)</a:t>
             </a:r>
           </a:p>
@@ -4354,7 +4359,7 @@
         <p:spPr>
           <a:xfrm>
             <a:off x="4273299" y="2986230"/>
-            <a:ext cx="2328530" cy="276999"/>
+            <a:ext cx="2328530" cy="307777"/>
           </a:xfrm>
           <a:prstGeom prst="rect">
             <a:avLst/>
@@ -4368,11 +4373,11 @@
           <a:lstStyle/>
           <a:p>
             <a:r>
-              <a:rPr lang="it-IT" sz="1200" dirty="0" err="1"/>
+              <a:rPr lang="it-IT" sz="1400" b="1" dirty="0" err="1"/>
               <a:t>job_is_minimun</a:t>
             </a:r>
             <a:r>
-              <a:rPr lang="it-IT" sz="1200" dirty="0"/>
+              <a:rPr lang="it-IT" sz="1400" b="1" dirty="0"/>
               <a:t>(num_core)</a:t>
             </a:r>
           </a:p>
@@ -4392,8 +4397,8 @@
         </p:nvSpPr>
         <p:spPr>
           <a:xfrm>
-            <a:off x="1212113" y="3855154"/>
-            <a:ext cx="2328530" cy="276999"/>
+            <a:off x="850258" y="4039709"/>
+            <a:ext cx="2700668" cy="307777"/>
           </a:xfrm>
           <a:prstGeom prst="rect">
             <a:avLst/>
@@ -4407,11 +4412,11 @@
           <a:lstStyle/>
           <a:p>
             <a:r>
-              <a:rPr lang="it-IT" sz="1200" dirty="0" err="1"/>
+              <a:rPr lang="it-IT" sz="1400" b="1" dirty="0" err="1"/>
               <a:t>job_is_not_minimun</a:t>
             </a:r>
             <a:r>
-              <a:rPr lang="it-IT" sz="1200" dirty="0"/>
+              <a:rPr lang="it-IT" sz="1400" b="1" dirty="0"/>
               <a:t>(num_core)</a:t>
             </a:r>
           </a:p>
@@ -4431,8 +4436,8 @@
         </p:nvSpPr>
         <p:spPr>
           <a:xfrm>
-            <a:off x="7719237" y="4925216"/>
-            <a:ext cx="2328530" cy="276999"/>
+            <a:off x="7719236" y="4925216"/>
+            <a:ext cx="2913321" cy="307777"/>
           </a:xfrm>
           <a:prstGeom prst="rect">
             <a:avLst/>
@@ -4446,11 +4451,11 @@
           <a:lstStyle/>
           <a:p>
             <a:r>
-              <a:rPr lang="it-IT" sz="1200" dirty="0" err="1"/>
+              <a:rPr lang="it-IT" sz="1400" b="1" dirty="0" err="1"/>
               <a:t>job_is_not_minimun</a:t>
             </a:r>
             <a:r>
-              <a:rPr lang="it-IT" sz="1200" dirty="0"/>
+              <a:rPr lang="it-IT" sz="1400" b="1" dirty="0"/>
               <a:t>(num_core)</a:t>
             </a:r>
           </a:p>
@@ -4470,8 +4475,8 @@
         </p:nvSpPr>
         <p:spPr>
           <a:xfrm>
-            <a:off x="9145770" y="2943096"/>
-            <a:ext cx="3088760" cy="646331"/>
+            <a:off x="8548578" y="3114738"/>
+            <a:ext cx="3728483" cy="738664"/>
           </a:xfrm>
           <a:prstGeom prst="rect">
             <a:avLst/>
@@ -4485,42 +4490,42 @@
           <a:lstStyle/>
           <a:p>
             <a:r>
-              <a:rPr lang="it-IT" sz="1200" dirty="0"/>
+              <a:rPr lang="it-IT" sz="1400" b="1" dirty="0"/>
               <a:t>duration == 0  &amp;&amp; </a:t>
             </a:r>
           </a:p>
           <a:p>
             <a:r>
-              <a:rPr lang="it-IT" sz="1200" dirty="0"/>
+              <a:rPr lang="it-IT" sz="1400" b="1" dirty="0"/>
               <a:t> </a:t>
             </a:r>
             <a:r>
-              <a:rPr lang="it-IT" sz="1200" dirty="0" err="1"/>
+              <a:rPr lang="it-IT" sz="1400" b="1" dirty="0" err="1"/>
               <a:t>count</a:t>
             </a:r>
             <a:r>
-              <a:rPr lang="it-IT" sz="1200" dirty="0"/>
+              <a:rPr lang="it-IT" sz="1400" b="1" dirty="0"/>
               <a:t>(ready, waiting, running, </a:t>
             </a:r>
             <a:r>
-              <a:rPr lang="it-IT" sz="1200" dirty="0" err="1"/>
+              <a:rPr lang="it-IT" sz="1400" b="1" dirty="0" err="1"/>
               <a:t>not_state</a:t>
             </a:r>
             <a:r>
-              <a:rPr lang="it-IT" sz="1200" dirty="0"/>
+              <a:rPr lang="it-IT" sz="1400" b="1" dirty="0"/>
               <a:t>) == 0</a:t>
             </a:r>
           </a:p>
           <a:p>
             <a:r>
-              <a:rPr lang="it-IT" sz="1200" dirty="0"/>
+              <a:rPr lang="it-IT" sz="1400" b="1" dirty="0"/>
               <a:t>&amp;&amp;  timing &gt;= </a:t>
             </a:r>
             <a:r>
-              <a:rPr lang="it-IT" sz="1200" dirty="0" err="1"/>
+              <a:rPr lang="it-IT" sz="1400" b="1" dirty="0" err="1"/>
               <a:t>max_time</a:t>
             </a:r>
-            <a:endParaRPr lang="it-IT" sz="1200" dirty="0"/>
+            <a:endParaRPr lang="it-IT" sz="1400" b="1" dirty="0"/>
           </a:p>
         </p:txBody>
       </p:sp>
